--- a/sycode/国庆后的修改图片/四个方法对比+三个特征/新建 Microsoft PowerPoint 演示文稿.pptx
+++ b/sycode/国庆后的修改图片/四个方法对比+三个特征/新建 Microsoft PowerPoint 演示文稿.pptx
@@ -3342,7 +3342,7 @@
         </p:nvCxnSpPr>
         <p:spPr>
           <a:xfrm flipV="1">
-            <a:off x="3162114" y="416679"/>
+            <a:off x="4379829" y="406283"/>
             <a:ext cx="0" cy="2545383"/>
           </a:xfrm>
           <a:prstGeom prst="straightConnector1">
@@ -3383,7 +3383,7 @@
         </p:nvCxnSpPr>
         <p:spPr>
           <a:xfrm>
-            <a:off x="2736504" y="2420293"/>
+            <a:off x="3954219" y="2409897"/>
             <a:ext cx="3015590" cy="0"/>
           </a:xfrm>
           <a:prstGeom prst="straightConnector1">
@@ -3422,7 +3422,7 @@
         </p:nvSpPr>
         <p:spPr>
           <a:xfrm>
-            <a:off x="3721407" y="1365517"/>
+            <a:off x="4939122" y="1355121"/>
             <a:ext cx="115409" cy="115384"/>
           </a:xfrm>
           <a:prstGeom prst="triangle">
@@ -3468,7 +3468,7 @@
         </p:nvSpPr>
         <p:spPr>
           <a:xfrm>
-            <a:off x="3836811" y="1743915"/>
+            <a:off x="5054526" y="1733519"/>
             <a:ext cx="115409" cy="115384"/>
           </a:xfrm>
           <a:prstGeom prst="triangle">
@@ -3514,7 +3514,7 @@
         </p:nvSpPr>
         <p:spPr>
           <a:xfrm>
-            <a:off x="3490588" y="1442113"/>
+            <a:off x="4708303" y="1431717"/>
             <a:ext cx="115409" cy="115384"/>
           </a:xfrm>
           <a:prstGeom prst="triangle">
@@ -3560,7 +3560,7 @@
         </p:nvSpPr>
         <p:spPr>
           <a:xfrm>
-            <a:off x="3605996" y="2021315"/>
+            <a:off x="4823711" y="2010919"/>
             <a:ext cx="115409" cy="115384"/>
           </a:xfrm>
           <a:prstGeom prst="triangle">
@@ -3606,7 +3606,7 @@
         </p:nvSpPr>
         <p:spPr>
           <a:xfrm>
-            <a:off x="3950006" y="1479255"/>
+            <a:off x="5167721" y="1468859"/>
             <a:ext cx="115409" cy="115384"/>
           </a:xfrm>
           <a:prstGeom prst="triangle">
@@ -3652,7 +3652,7 @@
         </p:nvSpPr>
         <p:spPr>
           <a:xfrm>
-            <a:off x="4080953" y="1652837"/>
+            <a:off x="5298668" y="1642441"/>
             <a:ext cx="115409" cy="115384"/>
           </a:xfrm>
           <a:prstGeom prst="triangle">
@@ -3698,7 +3698,7 @@
         </p:nvSpPr>
         <p:spPr>
           <a:xfrm>
-            <a:off x="4196362" y="1356817"/>
+            <a:off x="5414077" y="1346421"/>
             <a:ext cx="115409" cy="115384"/>
           </a:xfrm>
           <a:prstGeom prst="triangle">
@@ -3744,7 +3744,7 @@
         </p:nvSpPr>
         <p:spPr>
           <a:xfrm>
-            <a:off x="4307996" y="1333336"/>
+            <a:off x="5525711" y="1322940"/>
             <a:ext cx="115409" cy="115384"/>
           </a:xfrm>
           <a:prstGeom prst="triangle">
@@ -3790,7 +3790,7 @@
         </p:nvSpPr>
         <p:spPr>
           <a:xfrm>
-            <a:off x="4422742" y="1549976"/>
+            <a:off x="5640457" y="1539580"/>
             <a:ext cx="115409" cy="115384"/>
           </a:xfrm>
           <a:prstGeom prst="triangle">
@@ -3836,7 +3836,7 @@
         </p:nvSpPr>
         <p:spPr>
           <a:xfrm>
-            <a:off x="4599292" y="811840"/>
+            <a:off x="5817007" y="801444"/>
             <a:ext cx="115409" cy="115384"/>
           </a:xfrm>
           <a:prstGeom prst="triangle">
@@ -3882,7 +3882,7 @@
         </p:nvSpPr>
         <p:spPr>
           <a:xfrm>
-            <a:off x="4480446" y="1171668"/>
+            <a:off x="5698161" y="1161272"/>
             <a:ext cx="115409" cy="115384"/>
           </a:xfrm>
           <a:prstGeom prst="triangle">
@@ -3930,7 +3930,7 @@
         </p:nvCxnSpPr>
         <p:spPr>
           <a:xfrm flipV="1">
-            <a:off x="2873589" y="839762"/>
+            <a:off x="4091304" y="829366"/>
             <a:ext cx="2530136" cy="1420428"/>
           </a:xfrm>
           <a:prstGeom prst="line">
@@ -3968,7 +3968,7 @@
         </p:nvCxnSpPr>
         <p:spPr>
           <a:xfrm flipV="1">
-            <a:off x="2873589" y="988165"/>
+            <a:off x="4091304" y="977769"/>
             <a:ext cx="2530136" cy="1105382"/>
           </a:xfrm>
           <a:prstGeom prst="line">
@@ -4007,7 +4007,7 @@
         </p:nvCxnSpPr>
         <p:spPr>
           <a:xfrm>
-            <a:off x="4656997" y="927224"/>
+            <a:off x="5874712" y="916828"/>
             <a:ext cx="0" cy="331630"/>
           </a:xfrm>
           <a:prstGeom prst="line">
@@ -4055,7 +4055,7 @@
         </p:nvCxnSpPr>
         <p:spPr>
           <a:xfrm>
-            <a:off x="3548293" y="1557497"/>
+            <a:off x="4766008" y="1547101"/>
             <a:ext cx="1352" cy="331630"/>
           </a:xfrm>
           <a:prstGeom prst="line">
@@ -4102,7 +4102,7 @@
         </p:nvCxnSpPr>
         <p:spPr>
           <a:xfrm flipV="1">
-            <a:off x="6666548" y="3589385"/>
+            <a:off x="6666328" y="3429000"/>
             <a:ext cx="0" cy="2425230"/>
           </a:xfrm>
           <a:prstGeom prst="straightConnector1">
@@ -4143,7 +4143,7 @@
         </p:nvCxnSpPr>
         <p:spPr>
           <a:xfrm>
-            <a:off x="6240938" y="5592999"/>
+            <a:off x="6240718" y="5432614"/>
             <a:ext cx="3015590" cy="0"/>
           </a:xfrm>
           <a:prstGeom prst="straightConnector1">
@@ -4182,7 +4182,7 @@
         </p:nvSpPr>
         <p:spPr>
           <a:xfrm>
-            <a:off x="7225841" y="4538223"/>
+            <a:off x="7225621" y="4377838"/>
             <a:ext cx="115409" cy="115384"/>
           </a:xfrm>
           <a:prstGeom prst="triangle">
@@ -4228,7 +4228,7 @@
         </p:nvSpPr>
         <p:spPr>
           <a:xfrm>
-            <a:off x="7341245" y="4916621"/>
+            <a:off x="7341025" y="4756236"/>
             <a:ext cx="115409" cy="115384"/>
           </a:xfrm>
           <a:prstGeom prst="triangle">
@@ -4274,7 +4274,7 @@
         </p:nvSpPr>
         <p:spPr>
           <a:xfrm>
-            <a:off x="6995022" y="4614819"/>
+            <a:off x="6994802" y="4454434"/>
             <a:ext cx="115409" cy="115384"/>
           </a:xfrm>
           <a:prstGeom prst="triangle">
@@ -4320,7 +4320,7 @@
         </p:nvSpPr>
         <p:spPr>
           <a:xfrm>
-            <a:off x="7110430" y="5194021"/>
+            <a:off x="7110210" y="5033636"/>
             <a:ext cx="115409" cy="115384"/>
           </a:xfrm>
           <a:prstGeom prst="triangle">
@@ -4366,7 +4366,7 @@
         </p:nvSpPr>
         <p:spPr>
           <a:xfrm>
-            <a:off x="7454440" y="4651961"/>
+            <a:off x="7454220" y="4491576"/>
             <a:ext cx="115409" cy="115384"/>
           </a:xfrm>
           <a:prstGeom prst="triangle">
@@ -4412,7 +4412,7 @@
         </p:nvSpPr>
         <p:spPr>
           <a:xfrm>
-            <a:off x="7585387" y="4825543"/>
+            <a:off x="7585167" y="4665158"/>
             <a:ext cx="115409" cy="115384"/>
           </a:xfrm>
           <a:prstGeom prst="triangle">
@@ -4458,7 +4458,7 @@
         </p:nvSpPr>
         <p:spPr>
           <a:xfrm>
-            <a:off x="7745474" y="4529523"/>
+            <a:off x="7745254" y="4369138"/>
             <a:ext cx="115409" cy="115384"/>
           </a:xfrm>
           <a:prstGeom prst="triangle">
@@ -4504,7 +4504,7 @@
         </p:nvSpPr>
         <p:spPr>
           <a:xfrm>
-            <a:off x="7974722" y="4402065"/>
+            <a:off x="7974502" y="4241680"/>
             <a:ext cx="115409" cy="115384"/>
           </a:xfrm>
           <a:prstGeom prst="triangle">
@@ -4550,7 +4550,7 @@
         </p:nvSpPr>
         <p:spPr>
           <a:xfrm>
-            <a:off x="7911115" y="4709653"/>
+            <a:off x="7910895" y="4549268"/>
             <a:ext cx="115409" cy="115384"/>
           </a:xfrm>
           <a:prstGeom prst="triangle">
@@ -4596,7 +4596,7 @@
         </p:nvSpPr>
         <p:spPr>
           <a:xfrm>
-            <a:off x="8251135" y="3971841"/>
+            <a:off x="8250915" y="3811456"/>
             <a:ext cx="115409" cy="115384"/>
           </a:xfrm>
           <a:prstGeom prst="triangle">
@@ -4642,7 +4642,7 @@
         </p:nvSpPr>
         <p:spPr>
           <a:xfrm>
-            <a:off x="8107793" y="4273350"/>
+            <a:off x="8107573" y="4112965"/>
             <a:ext cx="115409" cy="115384"/>
           </a:xfrm>
           <a:prstGeom prst="triangle">
@@ -4688,7 +4688,7 @@
         </p:nvSpPr>
         <p:spPr>
           <a:xfrm>
-            <a:off x="7330833" y="4692594"/>
+            <a:off x="7330613" y="4532209"/>
             <a:ext cx="115409" cy="115384"/>
           </a:xfrm>
           <a:prstGeom prst="triangle">
@@ -4737,7 +4737,7 @@
         </p:nvSpPr>
         <p:spPr>
           <a:xfrm>
-            <a:off x="7444525" y="4854281"/>
+            <a:off x="7444305" y="4693896"/>
             <a:ext cx="115409" cy="115384"/>
           </a:xfrm>
           <a:prstGeom prst="triangle">
@@ -4786,7 +4786,7 @@
         </p:nvSpPr>
         <p:spPr>
           <a:xfrm>
-            <a:off x="7121526" y="4774804"/>
+            <a:off x="7121306" y="4614419"/>
             <a:ext cx="115409" cy="115384"/>
           </a:xfrm>
           <a:prstGeom prst="triangle">
@@ -4835,7 +4835,7 @@
         </p:nvSpPr>
         <p:spPr>
           <a:xfrm>
-            <a:off x="6976750" y="4972221"/>
+            <a:off x="6976530" y="4811836"/>
             <a:ext cx="115409" cy="115384"/>
           </a:xfrm>
           <a:prstGeom prst="triangle">
@@ -4884,7 +4884,7 @@
         </p:nvSpPr>
         <p:spPr>
           <a:xfrm>
-            <a:off x="7623115" y="4679565"/>
+            <a:off x="7622895" y="4519180"/>
             <a:ext cx="115409" cy="115384"/>
           </a:xfrm>
           <a:prstGeom prst="triangle">
@@ -4933,7 +4933,7 @@
         </p:nvSpPr>
         <p:spPr>
           <a:xfrm>
-            <a:off x="7773009" y="4802000"/>
+            <a:off x="7772789" y="4641615"/>
             <a:ext cx="115409" cy="115384"/>
           </a:xfrm>
           <a:prstGeom prst="triangle">
@@ -4982,7 +4982,7 @@
         </p:nvSpPr>
         <p:spPr>
           <a:xfrm>
-            <a:off x="7869471" y="4557127"/>
+            <a:off x="7869251" y="4396742"/>
             <a:ext cx="115409" cy="115384"/>
           </a:xfrm>
           <a:prstGeom prst="triangle">
@@ -5031,7 +5031,7 @@
         </p:nvSpPr>
         <p:spPr>
           <a:xfrm>
-            <a:off x="7981105" y="4533646"/>
+            <a:off x="7980885" y="4373261"/>
             <a:ext cx="115409" cy="115384"/>
           </a:xfrm>
           <a:prstGeom prst="triangle">
@@ -5080,7 +5080,7 @@
         </p:nvSpPr>
         <p:spPr>
           <a:xfrm>
-            <a:off x="8112052" y="4672511"/>
+            <a:off x="8111832" y="4512126"/>
             <a:ext cx="115409" cy="115384"/>
           </a:xfrm>
           <a:prstGeom prst="triangle">
@@ -5129,7 +5129,7 @@
         </p:nvSpPr>
         <p:spPr>
           <a:xfrm>
-            <a:off x="8256245" y="4273350"/>
+            <a:off x="8256025" y="4112965"/>
             <a:ext cx="115409" cy="115384"/>
           </a:xfrm>
           <a:prstGeom prst="triangle">
@@ -5178,7 +5178,7 @@
         </p:nvSpPr>
         <p:spPr>
           <a:xfrm>
-            <a:off x="8112052" y="4471831"/>
+            <a:off x="8111832" y="4311446"/>
             <a:ext cx="115409" cy="115384"/>
           </a:xfrm>
           <a:prstGeom prst="triangle">
@@ -5227,7 +5227,7 @@
         </p:nvSpPr>
         <p:spPr>
           <a:xfrm>
-            <a:off x="8382453" y="4042238"/>
+            <a:off x="8382233" y="3881853"/>
             <a:ext cx="115407" cy="302127"/>
           </a:xfrm>
           <a:prstGeom prst="rightBrace">
@@ -5273,7 +5273,7 @@
             </p:nvSpPr>
             <p:spPr>
               <a:xfrm>
-                <a:off x="8403260" y="3967165"/>
+                <a:off x="8403040" y="3806780"/>
                 <a:ext cx="507703" cy="369332"/>
               </a:xfrm>
               <a:prstGeom prst="rect">
@@ -5330,7 +5330,7 @@
             </p:nvSpPr>
             <p:spPr>
               <a:xfrm>
-                <a:off x="8403260" y="3967165"/>
+                <a:off x="8403040" y="3806780"/>
                 <a:ext cx="507703" cy="369332"/>
               </a:xfrm>
               <a:prstGeom prst="rect">
@@ -5372,7 +5372,7 @@
         </p:nvSpPr>
         <p:spPr>
           <a:xfrm>
-            <a:off x="9329912" y="1545447"/>
+            <a:off x="9316084" y="1547021"/>
             <a:ext cx="2530101" cy="3763958"/>
           </a:xfrm>
           <a:prstGeom prst="curvedLeftArrow">
@@ -5428,7 +5428,7 @@
         </p:nvSpPr>
         <p:spPr>
           <a:xfrm rot="10800000">
-            <a:off x="206402" y="1328807"/>
+            <a:off x="1335681" y="1355121"/>
             <a:ext cx="2530101" cy="3763958"/>
           </a:xfrm>
           <a:prstGeom prst="curvedLeftArrow">
@@ -5486,8 +5486,8 @@
             </p:nvSpPr>
             <p:spPr>
               <a:xfrm>
-                <a:off x="5899243" y="1271473"/>
-                <a:ext cx="3015585" cy="646331"/>
+                <a:off x="7214829" y="1190100"/>
+                <a:ext cx="1686144" cy="646331"/>
               </a:xfrm>
               <a:prstGeom prst="rect">
                 <a:avLst/>
@@ -5499,88 +5499,74 @@
               </a:bodyPr>
               <a:lstStyle/>
               <a:p>
+                <a:pPr/>
                 <a14:m>
-                  <m:oMathPara xmlns:m="http://schemas.openxmlformats.org/officeDocument/2006/math">
-                    <m:oMathParaPr>
-                      <m:jc m:val="centerGroup"/>
-                    </m:oMathParaPr>
-                    <m:oMath xmlns:m="http://schemas.openxmlformats.org/officeDocument/2006/math">
-                      <m:sSub>
-                        <m:sSubPr>
-                          <m:ctrlPr>
-                            <a:rPr lang="zh-CN" altLang="en-US" sz="3600" smtClean="0">
-                              <a:latin typeface="Cambria Math" panose="02040503050406030204" pitchFamily="18" charset="0"/>
-                            </a:rPr>
-                          </m:ctrlPr>
-                        </m:sSubPr>
-                        <m:e>
-                          <m:r>
-                            <a:rPr lang="zh-CN" altLang="en-US" sz="3600" i="1">
-                              <a:latin typeface="Cambria Math" panose="02040503050406030204" pitchFamily="18" charset="0"/>
-                            </a:rPr>
-                            <m:t>𝑦</m:t>
-                          </m:r>
-                        </m:e>
-                        <m:sub>
-                          <m:r>
-                            <a:rPr lang="zh-CN" altLang="en-US" sz="3600" i="1">
-                              <a:latin typeface="Cambria Math" panose="02040503050406030204" pitchFamily="18" charset="0"/>
-                            </a:rPr>
-                            <m:t>𝑖</m:t>
-                          </m:r>
-                        </m:sub>
-                      </m:sSub>
-                      <m:r>
-                        <a:rPr lang="zh-CN" altLang="en-US" sz="3600" i="0">
-                          <a:latin typeface="Cambria Math" panose="02040503050406030204" pitchFamily="18" charset="0"/>
-                        </a:rPr>
-                        <m:t>=</m:t>
-                      </m:r>
-                      <m:sSub>
-                        <m:sSubPr>
-                          <m:ctrlPr>
-                            <a:rPr lang="zh-CN" altLang="en-US" sz="3600" i="1">
-                              <a:latin typeface="Cambria Math" panose="02040503050406030204" pitchFamily="18" charset="0"/>
-                            </a:rPr>
-                          </m:ctrlPr>
-                        </m:sSubPr>
-                        <m:e>
-                          <m:r>
-                            <a:rPr lang="zh-CN" altLang="en-US" sz="3600" i="1">
-                              <a:latin typeface="Cambria Math" panose="02040503050406030204" pitchFamily="18" charset="0"/>
-                            </a:rPr>
-                            <m:t>𝑋</m:t>
-                          </m:r>
-                        </m:e>
-                        <m:sub>
-                          <m:r>
-                            <a:rPr lang="zh-CN" altLang="en-US" sz="3600" i="1">
-                              <a:latin typeface="Cambria Math" panose="02040503050406030204" pitchFamily="18" charset="0"/>
-                            </a:rPr>
-                            <m:t>𝑖</m:t>
-                          </m:r>
-                        </m:sub>
-                      </m:sSub>
-                      <m:r>
-                        <a:rPr lang="zh-CN" altLang="en-US" sz="3600" i="1">
-                          <a:latin typeface="Cambria Math" panose="02040503050406030204" pitchFamily="18" charset="0"/>
-                        </a:rPr>
-                        <m:t>𝑤</m:t>
-                      </m:r>
-                      <m:r>
-                        <a:rPr lang="zh-CN" altLang="en-US" sz="3600" i="0">
-                          <a:latin typeface="Cambria Math" panose="02040503050406030204" pitchFamily="18" charset="0"/>
-                        </a:rPr>
-                        <m:t>+</m:t>
-                      </m:r>
-                      <m:r>
-                        <a:rPr lang="en-US" altLang="zh-CN" sz="3600" b="0" i="1" smtClean="0">
-                          <a:latin typeface="Cambria Math" panose="02040503050406030204" pitchFamily="18" charset="0"/>
-                        </a:rPr>
-                        <m:t>𝑏</m:t>
-                      </m:r>
-                    </m:oMath>
-                  </m:oMathPara>
+                  <m:oMath xmlns:m="http://schemas.openxmlformats.org/officeDocument/2006/math">
+                    <m:sSup>
+                      <m:sSupPr>
+                        <m:ctrlPr>
+                          <a:rPr lang="en-US" altLang="zh-CN" sz="3600" i="1" smtClean="0">
+                            <a:latin typeface="Cambria Math" panose="02040503050406030204" pitchFamily="18" charset="0"/>
+                          </a:rPr>
+                        </m:ctrlPr>
+                      </m:sSupPr>
+                      <m:e>
+                        <m:r>
+                          <a:rPr lang="zh-CN" altLang="en-US" sz="3600" i="1">
+                            <a:latin typeface="Cambria Math" panose="02040503050406030204" pitchFamily="18" charset="0"/>
+                          </a:rPr>
+                          <m:t>𝑤</m:t>
+                        </m:r>
+                      </m:e>
+                      <m:sup>
+                        <m:r>
+                          <a:rPr lang="en-US" altLang="zh-CN" sz="3600" b="0" i="1" smtClean="0">
+                            <a:latin typeface="Cambria Math" panose="02040503050406030204" pitchFamily="18" charset="0"/>
+                          </a:rPr>
+                          <m:t>′</m:t>
+                        </m:r>
+                      </m:sup>
+                    </m:sSup>
+                    <m:r>
+                      <a:rPr lang="zh-CN" altLang="en-US" sz="3600" i="1">
+                        <a:latin typeface="Cambria Math" panose="02040503050406030204" pitchFamily="18" charset="0"/>
+                      </a:rPr>
+                      <m:t>、</m:t>
+                    </m:r>
+                  </m:oMath>
+                </a14:m>
+                <a:r>
+                  <a:rPr lang="en-US" altLang="zh-CN" sz="3600" dirty="0"/>
+                  <a:t> </a:t>
+                </a:r>
+                <a14:m>
+                  <m:oMath xmlns:m="http://schemas.openxmlformats.org/officeDocument/2006/math">
+                    <m:sSup>
+                      <m:sSupPr>
+                        <m:ctrlPr>
+                          <a:rPr lang="en-US" altLang="zh-CN" sz="3600" i="1">
+                            <a:latin typeface="Cambria Math" panose="02040503050406030204" pitchFamily="18" charset="0"/>
+                          </a:rPr>
+                        </m:ctrlPr>
+                      </m:sSupPr>
+                      <m:e>
+                        <m:r>
+                          <a:rPr lang="en-US" altLang="zh-CN" sz="3600" i="1">
+                            <a:latin typeface="Cambria Math" panose="02040503050406030204" pitchFamily="18" charset="0"/>
+                          </a:rPr>
+                          <m:t>𝑏</m:t>
+                        </m:r>
+                      </m:e>
+                      <m:sup>
+                        <m:r>
+                          <a:rPr lang="en-US" altLang="zh-CN" sz="3600" i="1">
+                            <a:latin typeface="Cambria Math" panose="02040503050406030204" pitchFamily="18" charset="0"/>
+                          </a:rPr>
+                          <m:t>′</m:t>
+                        </m:r>
+                      </m:sup>
+                    </m:sSup>
+                  </m:oMath>
                 </a14:m>
                 <a:endParaRPr lang="zh-CN" altLang="en-US" sz="3600" dirty="0"/>
               </a:p>
@@ -5604,8 +5590,8 @@
             </p:nvSpPr>
             <p:spPr>
               <a:xfrm>
-                <a:off x="5899243" y="1271473"/>
-                <a:ext cx="3015585" cy="646331"/>
+                <a:off x="7214829" y="1190100"/>
+                <a:ext cx="1686144" cy="646331"/>
               </a:xfrm>
               <a:prstGeom prst="rect">
                 <a:avLst/>
@@ -5648,7 +5634,7 @@
             </p:nvSpPr>
             <p:spPr>
               <a:xfrm>
-                <a:off x="3505986" y="4679565"/>
+                <a:off x="4127423" y="4647384"/>
                 <a:ext cx="2245487" cy="646331"/>
               </a:xfrm>
               <a:prstGeom prst="rect">
@@ -5754,7 +5740,7 @@
             </p:nvSpPr>
             <p:spPr>
               <a:xfrm>
-                <a:off x="3505986" y="4679565"/>
+                <a:off x="4127423" y="4647384"/>
                 <a:ext cx="2245487" cy="646331"/>
               </a:xfrm>
               <a:prstGeom prst="rect">
@@ -5763,7 +5749,140 @@
               <a:blipFill>
                 <a:blip r:embed="rId4"/>
                 <a:stretch>
-                  <a:fillRect t="-14151" r="-7609" b="-35849"/>
+                  <a:fillRect t="-13208" r="-7609" b="-35849"/>
+                </a:stretch>
+              </a:blipFill>
+            </p:spPr>
+            <p:txBody>
+              <a:bodyPr/>
+              <a:lstStyle/>
+              <a:p>
+                <a:r>
+                  <a:rPr lang="zh-CN" altLang="en-US">
+                    <a:noFill/>
+                  </a:rPr>
+                  <a:t> </a:t>
+                </a:r>
+              </a:p>
+            </p:txBody>
+          </p:sp>
+        </mc:Fallback>
+      </mc:AlternateContent>
+      <mc:AlternateContent xmlns:mc="http://schemas.openxmlformats.org/markup-compatibility/2006">
+        <mc:Choice xmlns:a14="http://schemas.microsoft.com/office/drawing/2010/main" Requires="a14">
+          <p:sp>
+            <p:nvSpPr>
+              <p:cNvPr id="54" name="矩形 53">
+                <a:extLst>
+                  <a:ext uri="{FF2B5EF4-FFF2-40B4-BE49-F238E27FC236}">
+                    <a16:creationId xmlns:a16="http://schemas.microsoft.com/office/drawing/2014/main" id="{7006F158-6814-44F7-A056-F56B09305EA1}"/>
+                  </a:ext>
+                </a:extLst>
+              </p:cNvPr>
+              <p:cNvSpPr/>
+              <p:nvPr/>
+            </p:nvSpPr>
+            <p:spPr>
+              <a:xfrm>
+                <a:off x="660985" y="2967363"/>
+                <a:ext cx="806271" cy="901785"/>
+              </a:xfrm>
+              <a:prstGeom prst="rect">
+                <a:avLst/>
+              </a:prstGeom>
+            </p:spPr>
+            <p:txBody>
+              <a:bodyPr wrap="square">
+                <a:spAutoFit/>
+              </a:bodyPr>
+              <a:lstStyle/>
+              <a:p>
+                <a:pPr/>
+                <a14:m>
+                  <m:oMathPara xmlns:m="http://schemas.openxmlformats.org/officeDocument/2006/math">
+                    <m:oMathParaPr>
+                      <m:jc m:val="centerGroup"/>
+                    </m:oMathParaPr>
+                    <m:oMath xmlns:m="http://schemas.openxmlformats.org/officeDocument/2006/math">
+                      <m:f>
+                        <m:fPr>
+                          <m:ctrlPr>
+                            <a:rPr lang="en-US" altLang="zh-CN" sz="2800" i="1">
+                              <a:latin typeface="Cambria Math" panose="02040503050406030204" pitchFamily="18" charset="0"/>
+                            </a:rPr>
+                          </m:ctrlPr>
+                        </m:fPr>
+                        <m:num>
+                          <m:r>
+                            <a:rPr lang="en-US" altLang="zh-CN" sz="2800" i="1">
+                              <a:latin typeface="Cambria Math" panose="02040503050406030204" pitchFamily="18" charset="0"/>
+                            </a:rPr>
+                            <m:t>1</m:t>
+                          </m:r>
+                        </m:num>
+                        <m:den>
+                          <m:sSup>
+                            <m:sSupPr>
+                              <m:ctrlPr>
+                                <a:rPr lang="en-US" altLang="zh-CN" sz="2800" i="1">
+                                  <a:latin typeface="Cambria Math" panose="02040503050406030204" pitchFamily="18" charset="0"/>
+                                </a:rPr>
+                              </m:ctrlPr>
+                            </m:sSupPr>
+                            <m:e>
+                              <m:r>
+                                <a:rPr lang="zh-CN" altLang="en-US" sz="2800" i="1">
+                                  <a:latin typeface="Cambria Math" panose="02040503050406030204" pitchFamily="18" charset="0"/>
+                                </a:rPr>
+                                <m:t>𝜆</m:t>
+                              </m:r>
+                            </m:e>
+                            <m:sup>
+                              <m:r>
+                                <a:rPr lang="en-US" altLang="zh-CN" sz="2800" i="1">
+                                  <a:latin typeface="Cambria Math" panose="02040503050406030204" pitchFamily="18" charset="0"/>
+                                </a:rPr>
+                                <m:t>2</m:t>
+                              </m:r>
+                            </m:sup>
+                          </m:sSup>
+                        </m:den>
+                      </m:f>
+                    </m:oMath>
+                  </m:oMathPara>
+                </a14:m>
+                <a:endParaRPr lang="zh-CN" altLang="en-US" sz="2800" dirty="0"/>
+              </a:p>
+            </p:txBody>
+          </p:sp>
+        </mc:Choice>
+        <mc:Fallback>
+          <p:sp>
+            <p:nvSpPr>
+              <p:cNvPr id="54" name="矩形 53">
+                <a:extLst>
+                  <a:ext uri="{FF2B5EF4-FFF2-40B4-BE49-F238E27FC236}">
+                    <a16:creationId xmlns:a16="http://schemas.microsoft.com/office/drawing/2014/main" id="{7006F158-6814-44F7-A056-F56B09305EA1}"/>
+                  </a:ext>
+                </a:extLst>
+              </p:cNvPr>
+              <p:cNvSpPr>
+                <a:spLocks noRot="1" noChangeAspect="1" noMove="1" noResize="1" noEditPoints="1" noAdjustHandles="1" noChangeArrowheads="1" noChangeShapeType="1" noTextEdit="1"/>
+              </p:cNvSpPr>
+              <p:nvPr/>
+            </p:nvSpPr>
+            <p:spPr>
+              <a:xfrm>
+                <a:off x="660985" y="2967363"/>
+                <a:ext cx="806271" cy="901785"/>
+              </a:xfrm>
+              <a:prstGeom prst="rect">
+                <a:avLst/>
+              </a:prstGeom>
+              <a:blipFill>
+                <a:blip r:embed="rId5"/>
+                <a:stretch>
+                  <a:fillRect/>
                 </a:stretch>
               </a:blipFill>
             </p:spPr>
